--- a/text/midterm.pptx
+++ b/text/midterm.pptx
@@ -218,7 +218,7 @@
           <a:p>
             <a:fld id="{3F568D19-28F1-460D-824E-E83CF76C03D8}" type="datetimeFigureOut">
               <a:rPr lang="en-US" smtClean="0"/>
-              <a:t>2021-03-25</a:t>
+              <a:t>2021-04-12</a:t>
             </a:fld>
             <a:endParaRPr lang="en-US"/>
           </a:p>
@@ -1615,7 +1615,7 @@
           <a:p>
             <a:fld id="{2768C77A-AB9C-4C64-919B-B2192E503013}" type="datetime1">
               <a:rPr lang="en-US" smtClean="0"/>
-              <a:t>2021-03-25</a:t>
+              <a:t>2021-04-12</a:t>
             </a:fld>
             <a:endParaRPr lang="en-US"/>
           </a:p>
@@ -1890,7 +1890,7 @@
           <a:p>
             <a:fld id="{4A5C5CBD-7EC8-48B8-9ED8-BE86CDF6316F}" type="datetime1">
               <a:rPr lang="en-US" smtClean="0"/>
-              <a:t>2021-03-25</a:t>
+              <a:t>2021-04-12</a:t>
             </a:fld>
             <a:endParaRPr lang="en-US"/>
           </a:p>
@@ -2084,7 +2084,7 @@
           <a:p>
             <a:fld id="{8EFC5A2B-22C8-4D35-8B1B-44F7A29A382B}" type="datetime1">
               <a:rPr lang="en-US" smtClean="0"/>
-              <a:t>2021-03-25</a:t>
+              <a:t>2021-04-12</a:t>
             </a:fld>
             <a:endParaRPr lang="en-US"/>
           </a:p>
@@ -2357,7 +2357,7 @@
           <a:p>
             <a:fld id="{F1043341-5ABB-443C-9693-CE2BBE0C58F2}" type="datetime1">
               <a:rPr lang="en-US" smtClean="0"/>
-              <a:t>2021-03-25</a:t>
+              <a:t>2021-04-12</a:t>
             </a:fld>
             <a:endParaRPr lang="en-US"/>
           </a:p>
@@ -2698,7 +2698,7 @@
           <a:p>
             <a:fld id="{7B9C786E-5BB6-41CD-972B-B4BC85D399F6}" type="datetime1">
               <a:rPr lang="en-US" smtClean="0"/>
-              <a:t>2021-03-25</a:t>
+              <a:t>2021-04-12</a:t>
             </a:fld>
             <a:endParaRPr lang="en-US"/>
           </a:p>
@@ -3321,7 +3321,7 @@
           <a:p>
             <a:fld id="{6AFD46C6-2881-4612-A2E0-DD2A8C35668A}" type="datetime1">
               <a:rPr lang="en-US" smtClean="0"/>
-              <a:t>2021-03-25</a:t>
+              <a:t>2021-04-12</a:t>
             </a:fld>
             <a:endParaRPr lang="en-US"/>
           </a:p>
@@ -4181,7 +4181,7 @@
           <a:p>
             <a:fld id="{153648F5-6928-49D3-963D-EDEC8F3966E6}" type="datetime1">
               <a:rPr lang="en-US" smtClean="0"/>
-              <a:t>2021-03-25</a:t>
+              <a:t>2021-04-12</a:t>
             </a:fld>
             <a:endParaRPr lang="en-US"/>
           </a:p>
@@ -4351,7 +4351,7 @@
           <a:p>
             <a:fld id="{E7C62069-D46A-4411-8FD2-6331049C1B92}" type="datetime1">
               <a:rPr lang="en-US" smtClean="0"/>
-              <a:t>2021-03-25</a:t>
+              <a:t>2021-04-12</a:t>
             </a:fld>
             <a:endParaRPr lang="en-US"/>
           </a:p>
@@ -4531,7 +4531,7 @@
           <a:p>
             <a:fld id="{FC72F705-D48F-4BB2-BEBA-FC972A14FE07}" type="datetime1">
               <a:rPr lang="en-US" smtClean="0"/>
-              <a:t>2021-03-25</a:t>
+              <a:t>2021-04-12</a:t>
             </a:fld>
             <a:endParaRPr lang="en-US"/>
           </a:p>
@@ -4701,7 +4701,7 @@
           <a:p>
             <a:fld id="{671AA06D-AB13-4C8F-BA9B-775394D49D4C}" type="datetime1">
               <a:rPr lang="en-US" smtClean="0"/>
-              <a:t>2021-03-25</a:t>
+              <a:t>2021-04-12</a:t>
             </a:fld>
             <a:endParaRPr lang="en-US"/>
           </a:p>
@@ -4948,7 +4948,7 @@
           <a:p>
             <a:fld id="{BB47114C-9553-40D0-8A8A-F21664FD6B97}" type="datetime1">
               <a:rPr lang="en-US" smtClean="0"/>
-              <a:t>2021-03-25</a:t>
+              <a:t>2021-04-12</a:t>
             </a:fld>
             <a:endParaRPr lang="en-US"/>
           </a:p>
@@ -5240,7 +5240,7 @@
           <a:p>
             <a:fld id="{435350A4-39C0-4C5F-8701-397B9BA1E673}" type="datetime1">
               <a:rPr lang="en-US" smtClean="0"/>
-              <a:t>2021-03-25</a:t>
+              <a:t>2021-04-12</a:t>
             </a:fld>
             <a:endParaRPr lang="en-US"/>
           </a:p>
@@ -5684,7 +5684,7 @@
           <a:p>
             <a:fld id="{91FEC36C-BA47-4D90-815F-3BE60A04A71D}" type="datetime1">
               <a:rPr lang="en-US" smtClean="0"/>
-              <a:t>2021-03-25</a:t>
+              <a:t>2021-04-12</a:t>
             </a:fld>
             <a:endParaRPr lang="en-US"/>
           </a:p>
@@ -5802,7 +5802,7 @@
           <a:p>
             <a:fld id="{9A1A006C-FEA8-4836-9D5E-E4626D8ED1E3}" type="datetime1">
               <a:rPr lang="en-US" smtClean="0"/>
-              <a:t>2021-03-25</a:t>
+              <a:t>2021-04-12</a:t>
             </a:fld>
             <a:endParaRPr lang="en-US"/>
           </a:p>
@@ -5897,7 +5897,7 @@
           <a:p>
             <a:fld id="{423CAA87-D7F9-440E-967A-0B4C91F35B71}" type="datetime1">
               <a:rPr lang="en-US" smtClean="0"/>
-              <a:t>2021-03-25</a:t>
+              <a:t>2021-04-12</a:t>
             </a:fld>
             <a:endParaRPr lang="en-US"/>
           </a:p>
@@ -6176,7 +6176,7 @@
           <a:p>
             <a:fld id="{5DEDC928-D0FE-4B26-A483-82C0806C86CF}" type="datetime1">
               <a:rPr lang="en-US" smtClean="0"/>
-              <a:t>2021-03-25</a:t>
+              <a:t>2021-04-12</a:t>
             </a:fld>
             <a:endParaRPr lang="en-US"/>
           </a:p>
@@ -6451,7 +6451,7 @@
           <a:p>
             <a:fld id="{7406B6D8-70C8-45D8-B672-D128C7DA41D9}" type="datetime1">
               <a:rPr lang="en-US" smtClean="0"/>
-              <a:t>2021-03-25</a:t>
+              <a:t>2021-04-12</a:t>
             </a:fld>
             <a:endParaRPr lang="en-US"/>
           </a:p>
@@ -6880,7 +6880,7 @@
           <a:p>
             <a:fld id="{E69582B5-7E58-48F2-B4D2-0C90D390B1D3}" type="datetime1">
               <a:rPr lang="en-US" smtClean="0"/>
-              <a:t>2021-03-25</a:t>
+              <a:t>2021-04-12</a:t>
             </a:fld>
             <a:endParaRPr lang="en-US"/>
           </a:p>
@@ -11613,8 +11613,8 @@
           </a:p>
         </p:txBody>
       </p:sp>
-      <mc:AlternateContent xmlns:mc="http://schemas.openxmlformats.org/markup-compatibility/2006" xmlns:a14="http://schemas.microsoft.com/office/drawing/2010/main">
-        <mc:Choice Requires="a14">
+      <mc:AlternateContent xmlns:mc="http://schemas.openxmlformats.org/markup-compatibility/2006">
+        <mc:Choice xmlns:a14="http://schemas.microsoft.com/office/drawing/2010/main" Requires="a14">
           <p:sp>
             <p:nvSpPr>
               <p:cNvPr id="3" name="Content Placeholder 2">
@@ -11722,6 +11722,12 @@
                         </a:rPr>
                         <m:t>∗</m:t>
                       </m:r>
+                      <m:r>
+                        <a:rPr lang="en-US" b="0" i="1" smtClean="0">
+                          <a:latin typeface="Cambria Math" panose="02040503050406030204" pitchFamily="18" charset="0"/>
+                        </a:rPr>
+                        <m:t>(</m:t>
+                      </m:r>
                       <m:sSub>
                         <m:sSubPr>
                           <m:ctrlPr>
@@ -11731,6 +11737,12 @@
                           </m:ctrlPr>
                         </m:sSubPr>
                         <m:e>
+                          <m:r>
+                            <a:rPr lang="en-US" b="0" i="1" smtClean="0">
+                              <a:latin typeface="Cambria Math" panose="02040503050406030204" pitchFamily="18" charset="0"/>
+                            </a:rPr>
+                            <m:t>1−</m:t>
+                          </m:r>
                           <m:r>
                             <a:rPr lang="en-US" b="0" i="1" smtClean="0">
                               <a:latin typeface="Cambria Math" panose="02040503050406030204" pitchFamily="18" charset="0"/>
@@ -11747,6 +11759,24 @@
                           </m:r>
                         </m:sub>
                       </m:sSub>
+                      <m:r>
+                        <a:rPr lang="en-US" b="0" i="1" smtClean="0">
+                          <a:latin typeface="Cambria Math" panose="02040503050406030204" pitchFamily="18" charset="0"/>
+                        </a:rPr>
+                        <m:t>/</m:t>
+                      </m:r>
+                      <m:r>
+                        <a:rPr lang="en-US" b="0" i="1" smtClean="0">
+                          <a:latin typeface="Cambria Math" panose="02040503050406030204" pitchFamily="18" charset="0"/>
+                        </a:rPr>
+                        <m:t>𝑃𝑂𝑃</m:t>
+                      </m:r>
+                      <m:r>
+                        <a:rPr lang="en-US" b="0" i="1" smtClean="0">
+                          <a:latin typeface="Cambria Math" panose="02040503050406030204" pitchFamily="18" charset="0"/>
+                        </a:rPr>
+                        <m:t>)</m:t>
+                      </m:r>
                     </m:oMath>
                   </m:oMathPara>
                 </a14:m>
@@ -11892,7 +11922,7 @@
             </p:txBody>
           </p:sp>
         </mc:Choice>
-        <mc:Fallback xmlns="">
+        <mc:Fallback>
           <p:sp>
             <p:nvSpPr>
               <p:cNvPr id="3" name="Content Placeholder 2">
